--- a/PptxTemplating.Tests/files/ReplaceTagInSlide.pptx
+++ b/PptxTemplating.Tests/files/ReplaceTagInSlide.pptx
@@ -289,7 +289,7 @@
           <a:p>
             <a:fld id="{FCB384CC-8CC3-4A4C-8F0D-25E02C65169C}" type="datetimeFigureOut">
               <a:rPr lang="fr-FR" smtClean="0"/>
-              <a:t>05/09/2012</a:t>
+              <a:t>10/09/2012</a:t>
             </a:fld>
             <a:endParaRPr lang="fr-FR"/>
           </a:p>
@@ -459,7 +459,7 @@
           <a:p>
             <a:fld id="{FCB384CC-8CC3-4A4C-8F0D-25E02C65169C}" type="datetimeFigureOut">
               <a:rPr lang="fr-FR" smtClean="0"/>
-              <a:t>05/09/2012</a:t>
+              <a:t>10/09/2012</a:t>
             </a:fld>
             <a:endParaRPr lang="fr-FR"/>
           </a:p>
@@ -639,7 +639,7 @@
           <a:p>
             <a:fld id="{FCB384CC-8CC3-4A4C-8F0D-25E02C65169C}" type="datetimeFigureOut">
               <a:rPr lang="fr-FR" smtClean="0"/>
-              <a:t>05/09/2012</a:t>
+              <a:t>10/09/2012</a:t>
             </a:fld>
             <a:endParaRPr lang="fr-FR"/>
           </a:p>
@@ -809,7 +809,7 @@
           <a:p>
             <a:fld id="{FCB384CC-8CC3-4A4C-8F0D-25E02C65169C}" type="datetimeFigureOut">
               <a:rPr lang="fr-FR" smtClean="0"/>
-              <a:t>05/09/2012</a:t>
+              <a:t>10/09/2012</a:t>
             </a:fld>
             <a:endParaRPr lang="fr-FR"/>
           </a:p>
@@ -1055,7 +1055,7 @@
           <a:p>
             <a:fld id="{FCB384CC-8CC3-4A4C-8F0D-25E02C65169C}" type="datetimeFigureOut">
               <a:rPr lang="fr-FR" smtClean="0"/>
-              <a:t>05/09/2012</a:t>
+              <a:t>10/09/2012</a:t>
             </a:fld>
             <a:endParaRPr lang="fr-FR"/>
           </a:p>
@@ -1343,7 +1343,7 @@
           <a:p>
             <a:fld id="{FCB384CC-8CC3-4A4C-8F0D-25E02C65169C}" type="datetimeFigureOut">
               <a:rPr lang="fr-FR" smtClean="0"/>
-              <a:t>05/09/2012</a:t>
+              <a:t>10/09/2012</a:t>
             </a:fld>
             <a:endParaRPr lang="fr-FR"/>
           </a:p>
@@ -1765,7 +1765,7 @@
           <a:p>
             <a:fld id="{FCB384CC-8CC3-4A4C-8F0D-25E02C65169C}" type="datetimeFigureOut">
               <a:rPr lang="fr-FR" smtClean="0"/>
-              <a:t>05/09/2012</a:t>
+              <a:t>10/09/2012</a:t>
             </a:fld>
             <a:endParaRPr lang="fr-FR"/>
           </a:p>
@@ -1883,7 +1883,7 @@
           <a:p>
             <a:fld id="{FCB384CC-8CC3-4A4C-8F0D-25E02C65169C}" type="datetimeFigureOut">
               <a:rPr lang="fr-FR" smtClean="0"/>
-              <a:t>05/09/2012</a:t>
+              <a:t>10/09/2012</a:t>
             </a:fld>
             <a:endParaRPr lang="fr-FR"/>
           </a:p>
@@ -1978,7 +1978,7 @@
           <a:p>
             <a:fld id="{FCB384CC-8CC3-4A4C-8F0D-25E02C65169C}" type="datetimeFigureOut">
               <a:rPr lang="fr-FR" smtClean="0"/>
-              <a:t>05/09/2012</a:t>
+              <a:t>10/09/2012</a:t>
             </a:fld>
             <a:endParaRPr lang="fr-FR"/>
           </a:p>
@@ -2255,7 +2255,7 @@
           <a:p>
             <a:fld id="{FCB384CC-8CC3-4A4C-8F0D-25E02C65169C}" type="datetimeFigureOut">
               <a:rPr lang="fr-FR" smtClean="0"/>
-              <a:t>05/09/2012</a:t>
+              <a:t>10/09/2012</a:t>
             </a:fld>
             <a:endParaRPr lang="fr-FR"/>
           </a:p>
@@ -2508,7 +2508,7 @@
           <a:p>
             <a:fld id="{FCB384CC-8CC3-4A4C-8F0D-25E02C65169C}" type="datetimeFigureOut">
               <a:rPr lang="fr-FR" smtClean="0"/>
-              <a:t>05/09/2012</a:t>
+              <a:t>10/09/2012</a:t>
             </a:fld>
             <a:endParaRPr lang="fr-FR"/>
           </a:p>
@@ -2721,7 +2721,7 @@
           <a:p>
             <a:fld id="{FCB384CC-8CC3-4A4C-8F0D-25E02C65169C}" type="datetimeFigureOut">
               <a:rPr lang="fr-FR" smtClean="0"/>
-              <a:t>05/09/2012</a:t>
+              <a:t>10/09/2012</a:t>
             </a:fld>
             <a:endParaRPr lang="fr-FR"/>
           </a:p>
@@ -3185,7 +3185,15 @@
           <a:p>
             <a:r>
               <a:rPr lang="en-US" dirty="0" smtClean="0"/>
-              <a:t>Hello this is a tag: &lt;hello&gt;</a:t>
+              <a:t>{{</a:t>
+            </a:r>
+            <a:r>
+              <a:rPr lang="en-US" dirty="0" smtClean="0"/>
+              <a:t>hello}}, </a:t>
+            </a:r>
+            <a:r>
+              <a:rPr lang="en-US" dirty="0" smtClean="0"/>
+              <a:t>world!</a:t>
             </a:r>
             <a:endParaRPr lang="fr-FR" dirty="0"/>
           </a:p>
@@ -3203,31 +3211,179 @@
         </p:nvSpPr>
         <p:spPr/>
         <p:txBody>
-          <a:bodyPr/>
+          <a:bodyPr>
+            <a:normAutofit/>
+          </a:bodyPr>
           <a:lstStyle/>
           <a:p>
             <a:r>
               <a:rPr lang="en-US" dirty="0" smtClean="0"/>
-              <a:t>Another tag: &lt;bonjour&gt;</a:t>
-            </a:r>
-          </a:p>
-          <a:p>
-            <a:endParaRPr lang="en-US" dirty="0"/>
-          </a:p>
-          <a:p>
+              <a:t>A tag </a:t>
+            </a:r>
+            <a:r>
+              <a:rPr lang="en-US" u="sng" dirty="0" smtClean="0"/>
+              <a:t>{{</a:t>
+            </a:r>
+            <a:r>
+              <a:rPr lang="en-US" u="sng" dirty="0" err="1" smtClean="0"/>
+              <a:t>hola</a:t>
+            </a:r>
+            <a:r>
+              <a:rPr lang="en-US" u="sng" dirty="0" smtClean="0"/>
+              <a:t>}}</a:t>
+            </a:r>
             <a:r>
               <a:rPr lang="en-US" dirty="0" smtClean="0"/>
-              <a:t>A tag &lt;</a:t>
-            </a:r>
-            <a:r>
-              <a:rPr lang="en-US" dirty="0" err="1" smtClean="0"/>
-              <a:t>hola</a:t>
+              <a:t> inside </a:t>
             </a:r>
             <a:r>
               <a:rPr lang="en-US" dirty="0" smtClean="0"/>
-              <a:t>&gt; inside a sentence</a:t>
-            </a:r>
-            <a:endParaRPr lang="fr-FR" dirty="0"/>
+              <a:t>a sentence</a:t>
+            </a:r>
+          </a:p>
+          <a:p>
+            <a:r>
+              <a:rPr lang="en-US" dirty="0" smtClean="0"/>
+              <a:t>A tag </a:t>
+            </a:r>
+            <a:r>
+              <a:rPr lang="en-US" dirty="0" smtClean="0"/>
+              <a:t>{{</a:t>
+            </a:r>
+            <a:r>
+              <a:rPr lang="en-US" dirty="0" smtClean="0"/>
+              <a:t>bo</a:t>
+            </a:r>
+            <a:r>
+              <a:rPr lang="en-US" sz="7200" i="1" dirty="0" smtClean="0"/>
+              <a:t>nj</a:t>
+            </a:r>
+            <a:r>
+              <a:rPr lang="en-US" dirty="0" smtClean="0"/>
+              <a:t>our}} </a:t>
+            </a:r>
+            <a:r>
+              <a:rPr lang="en-US" b="1" dirty="0" smtClean="0"/>
+              <a:t>inside</a:t>
+            </a:r>
+            <a:r>
+              <a:rPr lang="en-US" dirty="0" smtClean="0"/>
+              <a:t> a sentence</a:t>
+            </a:r>
+          </a:p>
+        </p:txBody>
+      </p:sp>
+      <p:sp>
+        <p:nvSpPr>
+          <p:cNvPr id="4" name="ZoneTexte 3"/>
+          <p:cNvSpPr txBox="1"/>
+          <p:nvPr/>
+        </p:nvSpPr>
+        <p:spPr>
+          <a:xfrm>
+            <a:off x="3419872" y="4365104"/>
+            <a:ext cx="1944216" cy="1323439"/>
+          </a:xfrm>
+          <a:prstGeom prst="rect">
+            <a:avLst/>
+          </a:prstGeom>
+          <a:noFill/>
+        </p:spPr>
+        <p:txBody>
+          <a:bodyPr wrap="square" rtlCol="0">
+            <a:spAutoFit/>
+            <a:scene3d>
+              <a:camera prst="perspectiveHeroicExtremeLeftFacing"/>
+              <a:lightRig rig="threePt" dir="t"/>
+            </a:scene3d>
+          </a:bodyPr>
+          <a:lstStyle/>
+          <a:p>
+            <a:r>
+              <a:rPr lang="en-US" sz="4000" b="1" dirty="0" smtClean="0">
+                <a:ln w="18000">
+                  <a:solidFill>
+                    <a:schemeClr val="accent2">
+                      <a:satMod val="140000"/>
+                    </a:schemeClr>
+                  </a:solidFill>
+                  <a:prstDash val="solid"/>
+                  <a:miter lim="800000"/>
+                </a:ln>
+                <a:noFill/>
+                <a:effectLst>
+                  <a:outerShdw blurRad="25500" dist="23000" dir="7020000" algn="tl">
+                    <a:srgbClr val="000000">
+                      <a:alpha val="50000"/>
+                    </a:srgbClr>
+                  </a:outerShdw>
+                </a:effectLst>
+              </a:rPr>
+              <a:t>{{</a:t>
+            </a:r>
+            <a:r>
+              <a:rPr lang="en-US" sz="4000" b="1" dirty="0" smtClean="0">
+                <a:ln w="18000">
+                  <a:solidFill>
+                    <a:schemeClr val="accent2">
+                      <a:satMod val="140000"/>
+                    </a:schemeClr>
+                  </a:solidFill>
+                  <a:prstDash val="solid"/>
+                  <a:miter lim="800000"/>
+                </a:ln>
+                <a:noFill/>
+                <a:effectLst>
+                  <a:outerShdw blurRad="25500" dist="23000" dir="7020000" algn="tl">
+                    <a:srgbClr val="000000">
+                      <a:alpha val="50000"/>
+                    </a:srgbClr>
+                  </a:outerShdw>
+                </a:effectLst>
+              </a:rPr>
+              <a:t>hello}}, </a:t>
+            </a:r>
+            <a:r>
+              <a:rPr lang="en-US" sz="4000" b="1" dirty="0" smtClean="0">
+                <a:ln w="18000">
+                  <a:solidFill>
+                    <a:schemeClr val="accent2">
+                      <a:satMod val="140000"/>
+                    </a:schemeClr>
+                  </a:solidFill>
+                  <a:prstDash val="solid"/>
+                  <a:miter lim="800000"/>
+                </a:ln>
+                <a:noFill/>
+                <a:effectLst>
+                  <a:outerShdw blurRad="25500" dist="23000" dir="7020000" algn="tl">
+                    <a:srgbClr val="000000">
+                      <a:alpha val="50000"/>
+                    </a:srgbClr>
+                  </a:outerShdw>
+                </a:effectLst>
+              </a:rPr>
+              <a:t>world!</a:t>
+            </a:r>
+            <a:endParaRPr lang="fr-FR" sz="4000" b="1" dirty="0">
+              <a:ln w="18000">
+                <a:solidFill>
+                  <a:schemeClr val="accent2">
+                    <a:satMod val="140000"/>
+                  </a:schemeClr>
+                </a:solidFill>
+                <a:prstDash val="solid"/>
+                <a:miter lim="800000"/>
+              </a:ln>
+              <a:noFill/>
+              <a:effectLst>
+                <a:outerShdw blurRad="25500" dist="23000" dir="7020000" algn="tl">
+                  <a:srgbClr val="000000">
+                    <a:alpha val="50000"/>
+                  </a:srgbClr>
+                </a:outerShdw>
+              </a:effectLst>
+            </a:endParaRPr>
           </a:p>
         </p:txBody>
       </p:sp>

--- a/PptxTemplating.Tests/files/ReplaceTagInSlide.pptx
+++ b/PptxTemplating.Tests/files/ReplaceTagInSlide.pptx
@@ -5,8 +5,7 @@
     <p:sldMasterId id="2147483648" r:id="rId1"/>
   </p:sldMasterIdLst>
   <p:sldIdLst>
-    <p:sldId id="256" r:id="rId2"/>
-    <p:sldId id="257" r:id="rId3"/>
+    <p:sldId id="257" r:id="rId2"/>
   </p:sldIdLst>
   <p:sldSz cx="9144000" cy="6858000" type="screen4x3"/>
   <p:notesSz cx="6858000" cy="9144000"/>
@@ -289,7 +288,7 @@
           <a:p>
             <a:fld id="{FCB384CC-8CC3-4A4C-8F0D-25E02C65169C}" type="datetimeFigureOut">
               <a:rPr lang="fr-FR" smtClean="0"/>
-              <a:t>10/09/2012</a:t>
+              <a:t>11/09/2012</a:t>
             </a:fld>
             <a:endParaRPr lang="fr-FR"/>
           </a:p>
@@ -459,7 +458,7 @@
           <a:p>
             <a:fld id="{FCB384CC-8CC3-4A4C-8F0D-25E02C65169C}" type="datetimeFigureOut">
               <a:rPr lang="fr-FR" smtClean="0"/>
-              <a:t>10/09/2012</a:t>
+              <a:t>11/09/2012</a:t>
             </a:fld>
             <a:endParaRPr lang="fr-FR"/>
           </a:p>
@@ -639,7 +638,7 @@
           <a:p>
             <a:fld id="{FCB384CC-8CC3-4A4C-8F0D-25E02C65169C}" type="datetimeFigureOut">
               <a:rPr lang="fr-FR" smtClean="0"/>
-              <a:t>10/09/2012</a:t>
+              <a:t>11/09/2012</a:t>
             </a:fld>
             <a:endParaRPr lang="fr-FR"/>
           </a:p>
@@ -809,7 +808,7 @@
           <a:p>
             <a:fld id="{FCB384CC-8CC3-4A4C-8F0D-25E02C65169C}" type="datetimeFigureOut">
               <a:rPr lang="fr-FR" smtClean="0"/>
-              <a:t>10/09/2012</a:t>
+              <a:t>11/09/2012</a:t>
             </a:fld>
             <a:endParaRPr lang="fr-FR"/>
           </a:p>
@@ -1055,7 +1054,7 @@
           <a:p>
             <a:fld id="{FCB384CC-8CC3-4A4C-8F0D-25E02C65169C}" type="datetimeFigureOut">
               <a:rPr lang="fr-FR" smtClean="0"/>
-              <a:t>10/09/2012</a:t>
+              <a:t>11/09/2012</a:t>
             </a:fld>
             <a:endParaRPr lang="fr-FR"/>
           </a:p>
@@ -1343,7 +1342,7 @@
           <a:p>
             <a:fld id="{FCB384CC-8CC3-4A4C-8F0D-25E02C65169C}" type="datetimeFigureOut">
               <a:rPr lang="fr-FR" smtClean="0"/>
-              <a:t>10/09/2012</a:t>
+              <a:t>11/09/2012</a:t>
             </a:fld>
             <a:endParaRPr lang="fr-FR"/>
           </a:p>
@@ -1765,7 +1764,7 @@
           <a:p>
             <a:fld id="{FCB384CC-8CC3-4A4C-8F0D-25E02C65169C}" type="datetimeFigureOut">
               <a:rPr lang="fr-FR" smtClean="0"/>
-              <a:t>10/09/2012</a:t>
+              <a:t>11/09/2012</a:t>
             </a:fld>
             <a:endParaRPr lang="fr-FR"/>
           </a:p>
@@ -1883,7 +1882,7 @@
           <a:p>
             <a:fld id="{FCB384CC-8CC3-4A4C-8F0D-25E02C65169C}" type="datetimeFigureOut">
               <a:rPr lang="fr-FR" smtClean="0"/>
-              <a:t>10/09/2012</a:t>
+              <a:t>11/09/2012</a:t>
             </a:fld>
             <a:endParaRPr lang="fr-FR"/>
           </a:p>
@@ -1978,7 +1977,7 @@
           <a:p>
             <a:fld id="{FCB384CC-8CC3-4A4C-8F0D-25E02C65169C}" type="datetimeFigureOut">
               <a:rPr lang="fr-FR" smtClean="0"/>
-              <a:t>10/09/2012</a:t>
+              <a:t>11/09/2012</a:t>
             </a:fld>
             <a:endParaRPr lang="fr-FR"/>
           </a:p>
@@ -2255,7 +2254,7 @@
           <a:p>
             <a:fld id="{FCB384CC-8CC3-4A4C-8F0D-25E02C65169C}" type="datetimeFigureOut">
               <a:rPr lang="fr-FR" smtClean="0"/>
-              <a:t>10/09/2012</a:t>
+              <a:t>11/09/2012</a:t>
             </a:fld>
             <a:endParaRPr lang="fr-FR"/>
           </a:p>
@@ -2508,7 +2507,7 @@
           <a:p>
             <a:fld id="{FCB384CC-8CC3-4A4C-8F0D-25E02C65169C}" type="datetimeFigureOut">
               <a:rPr lang="fr-FR" smtClean="0"/>
-              <a:t>10/09/2012</a:t>
+              <a:t>11/09/2012</a:t>
             </a:fld>
             <a:endParaRPr lang="fr-FR"/>
           </a:p>
@@ -2721,7 +2720,7 @@
           <a:p>
             <a:fld id="{FCB384CC-8CC3-4A4C-8F0D-25E02C65169C}" type="datetimeFigureOut">
               <a:rPr lang="fr-FR" smtClean="0"/>
-              <a:t>10/09/2012</a:t>
+              <a:t>11/09/2012</a:t>
             </a:fld>
             <a:endParaRPr lang="fr-FR"/>
           </a:p>
@@ -3103,78 +3102,6 @@
             <a:spLocks noGrp="1"/>
           </p:cNvSpPr>
           <p:nvPr>
-            <p:ph type="ctrTitle"/>
-          </p:nvPr>
-        </p:nvSpPr>
-        <p:spPr/>
-        <p:txBody>
-          <a:bodyPr/>
-          <a:lstStyle/>
-          <a:p>
-            <a:r>
-              <a:rPr lang="fr-FR" dirty="0" err="1" smtClean="0"/>
-              <a:t>ReplaceTagInSlide</a:t>
-            </a:r>
-            <a:endParaRPr lang="fr-FR" dirty="0"/>
-          </a:p>
-        </p:txBody>
-      </p:sp>
-      <p:sp>
-        <p:nvSpPr>
-          <p:cNvPr id="3" name="Sous-titre 2"/>
-          <p:cNvSpPr>
-            <a:spLocks noGrp="1"/>
-          </p:cNvSpPr>
-          <p:nvPr>
-            <p:ph type="subTitle" idx="1"/>
-          </p:nvPr>
-        </p:nvSpPr>
-        <p:spPr/>
-        <p:txBody>
-          <a:bodyPr/>
-          <a:lstStyle/>
-          <a:p>
-            <a:endParaRPr lang="fr-FR"/>
-          </a:p>
-        </p:txBody>
-      </p:sp>
-    </p:spTree>
-    <p:extLst>
-      <p:ext uri="{BB962C8B-B14F-4D97-AF65-F5344CB8AC3E}">
-        <p14:creationId xmlns:p14="http://schemas.microsoft.com/office/powerpoint/2010/main" val="1828401092"/>
-      </p:ext>
-    </p:extLst>
-  </p:cSld>
-  <p:clrMapOvr>
-    <a:masterClrMapping/>
-  </p:clrMapOvr>
-</p:sld>
-</file>
-
-<file path=ppt/slides/slide2.xml><?xml version="1.0" encoding="utf-8"?>
-<p:sld xmlns:a="http://schemas.openxmlformats.org/drawingml/2006/main" xmlns:r="http://schemas.openxmlformats.org/officeDocument/2006/relationships" xmlns:p="http://schemas.openxmlformats.org/presentationml/2006/main">
-  <p:cSld>
-    <p:spTree>
-      <p:nvGrpSpPr>
-        <p:cNvPr id="1" name=""/>
-        <p:cNvGrpSpPr/>
-        <p:nvPr/>
-      </p:nvGrpSpPr>
-      <p:grpSpPr>
-        <a:xfrm>
-          <a:off x="0" y="0"/>
-          <a:ext cx="0" cy="0"/>
-          <a:chOff x="0" y="0"/>
-          <a:chExt cx="0" cy="0"/>
-        </a:xfrm>
-      </p:grpSpPr>
-      <p:sp>
-        <p:nvSpPr>
-          <p:cNvPr id="2" name="Titre 1"/>
-          <p:cNvSpPr>
-            <a:spLocks noGrp="1"/>
-          </p:cNvSpPr>
-          <p:nvPr>
             <p:ph type="title"/>
           </p:nvPr>
         </p:nvSpPr>
@@ -3184,16 +3111,12 @@
           <a:lstStyle/>
           <a:p>
             <a:r>
+              <a:rPr lang="en-US" smtClean="0"/>
+              <a:t>words {{</a:t>
+            </a:r>
+            <a:r>
               <a:rPr lang="en-US" dirty="0" smtClean="0"/>
-              <a:t>{{</a:t>
-            </a:r>
-            <a:r>
-              <a:rPr lang="en-US" dirty="0" smtClean="0"/>
-              <a:t>hello}}, </a:t>
-            </a:r>
-            <a:r>
-              <a:rPr lang="en-US" dirty="0" smtClean="0"/>
-              <a:t>world!</a:t>
+              <a:t>hello}}, world!</a:t>
             </a:r>
             <a:endParaRPr lang="fr-FR" dirty="0"/>
           </a:p>
@@ -3234,25 +3157,13 @@
             </a:r>
             <a:r>
               <a:rPr lang="en-US" dirty="0" smtClean="0"/>
-              <a:t> inside </a:t>
-            </a:r>
+              <a:t> inside a sentence</a:t>
+            </a:r>
+          </a:p>
+          <a:p>
             <a:r>
               <a:rPr lang="en-US" dirty="0" smtClean="0"/>
-              <a:t>a sentence</a:t>
-            </a:r>
-          </a:p>
-          <a:p>
-            <a:r>
-              <a:rPr lang="en-US" dirty="0" smtClean="0"/>
-              <a:t>A tag </a:t>
-            </a:r>
-            <a:r>
-              <a:rPr lang="en-US" dirty="0" smtClean="0"/>
-              <a:t>{{</a:t>
-            </a:r>
-            <a:r>
-              <a:rPr lang="en-US" dirty="0" smtClean="0"/>
-              <a:t>bo</a:t>
+              <a:t>A tag {{bo</a:t>
             </a:r>
             <a:r>
               <a:rPr lang="en-US" sz="7200" i="1" dirty="0" smtClean="0"/>
@@ -3319,51 +3230,7 @@
                   </a:outerShdw>
                 </a:effectLst>
               </a:rPr>
-              <a:t>{{</a:t>
-            </a:r>
-            <a:r>
-              <a:rPr lang="en-US" sz="4000" b="1" dirty="0" smtClean="0">
-                <a:ln w="18000">
-                  <a:solidFill>
-                    <a:schemeClr val="accent2">
-                      <a:satMod val="140000"/>
-                    </a:schemeClr>
-                  </a:solidFill>
-                  <a:prstDash val="solid"/>
-                  <a:miter lim="800000"/>
-                </a:ln>
-                <a:noFill/>
-                <a:effectLst>
-                  <a:outerShdw blurRad="25500" dist="23000" dir="7020000" algn="tl">
-                    <a:srgbClr val="000000">
-                      <a:alpha val="50000"/>
-                    </a:srgbClr>
-                  </a:outerShdw>
-                </a:effectLst>
-              </a:rPr>
-              <a:t>hello}}, </a:t>
-            </a:r>
-            <a:r>
-              <a:rPr lang="en-US" sz="4000" b="1" dirty="0" smtClean="0">
-                <a:ln w="18000">
-                  <a:solidFill>
-                    <a:schemeClr val="accent2">
-                      <a:satMod val="140000"/>
-                    </a:schemeClr>
-                  </a:solidFill>
-                  <a:prstDash val="solid"/>
-                  <a:miter lim="800000"/>
-                </a:ln>
-                <a:noFill/>
-                <a:effectLst>
-                  <a:outerShdw blurRad="25500" dist="23000" dir="7020000" algn="tl">
-                    <a:srgbClr val="000000">
-                      <a:alpha val="50000"/>
-                    </a:srgbClr>
-                  </a:outerShdw>
-                </a:effectLst>
-              </a:rPr>
-              <a:t>world!</a:t>
+              <a:t>{{hello}}, world!</a:t>
             </a:r>
             <a:endParaRPr lang="fr-FR" sz="4000" b="1" dirty="0">
               <a:ln w="18000">

--- a/PptxTemplating.Tests/files/ReplaceTagInSlide.pptx
+++ b/PptxTemplating.Tests/files/ReplaceTagInSlide.pptx
@@ -6,6 +6,7 @@
   </p:sldMasterIdLst>
   <p:sldIdLst>
     <p:sldId id="257" r:id="rId2"/>
+    <p:sldId id="258" r:id="rId3"/>
   </p:sldIdLst>
   <p:sldSz cx="9144000" cy="6858000" type="screen4x3"/>
   <p:notesSz cx="6858000" cy="9144000"/>
@@ -3111,12 +3112,8 @@
           <a:lstStyle/>
           <a:p>
             <a:r>
-              <a:rPr lang="en-US" smtClean="0"/>
-              <a:t>words {{</a:t>
-            </a:r>
-            <a:r>
               <a:rPr lang="en-US" dirty="0" smtClean="0"/>
-              <a:t>hello}}, world!</a:t>
+              <a:t>words {{hello}}, world!</a:t>
             </a:r>
             <a:endParaRPr lang="fr-FR" dirty="0"/>
           </a:p>
@@ -3258,6 +3255,191 @@
     <p:extLst>
       <p:ext uri="{BB962C8B-B14F-4D97-AF65-F5344CB8AC3E}">
         <p14:creationId xmlns:p14="http://schemas.microsoft.com/office/powerpoint/2010/main" val="545738956"/>
+      </p:ext>
+    </p:extLst>
+  </p:cSld>
+  <p:clrMapOvr>
+    <a:masterClrMapping/>
+  </p:clrMapOvr>
+</p:sld>
+</file>
+
+<file path=ppt/slides/slide2.xml><?xml version="1.0" encoding="utf-8"?>
+<p:sld xmlns:a="http://schemas.openxmlformats.org/drawingml/2006/main" xmlns:r="http://schemas.openxmlformats.org/officeDocument/2006/relationships" xmlns:p="http://schemas.openxmlformats.org/presentationml/2006/main">
+  <p:cSld>
+    <p:spTree>
+      <p:nvGrpSpPr>
+        <p:cNvPr id="1" name=""/>
+        <p:cNvGrpSpPr/>
+        <p:nvPr/>
+      </p:nvGrpSpPr>
+      <p:grpSpPr>
+        <a:xfrm>
+          <a:off x="0" y="0"/>
+          <a:ext cx="0" cy="0"/>
+          <a:chOff x="0" y="0"/>
+          <a:chExt cx="0" cy="0"/>
+        </a:xfrm>
+      </p:grpSpPr>
+      <p:sp>
+        <p:nvSpPr>
+          <p:cNvPr id="2" name="Titre 1"/>
+          <p:cNvSpPr>
+            <a:spLocks noGrp="1"/>
+          </p:cNvSpPr>
+          <p:nvPr>
+            <p:ph type="title"/>
+          </p:nvPr>
+        </p:nvSpPr>
+        <p:spPr/>
+        <p:txBody>
+          <a:bodyPr/>
+          <a:lstStyle/>
+          <a:p>
+            <a:r>
+              <a:rPr lang="en-US" dirty="0" smtClean="0"/>
+              <a:t>words {{hello}}, world!</a:t>
+            </a:r>
+            <a:endParaRPr lang="fr-FR" dirty="0"/>
+          </a:p>
+        </p:txBody>
+      </p:sp>
+      <p:sp>
+        <p:nvSpPr>
+          <p:cNvPr id="3" name="Espace réservé du contenu 2"/>
+          <p:cNvSpPr>
+            <a:spLocks noGrp="1"/>
+          </p:cNvSpPr>
+          <p:nvPr>
+            <p:ph idx="1"/>
+          </p:nvPr>
+        </p:nvSpPr>
+        <p:spPr/>
+        <p:txBody>
+          <a:bodyPr>
+            <a:normAutofit/>
+          </a:bodyPr>
+          <a:lstStyle/>
+          <a:p>
+            <a:r>
+              <a:rPr lang="en-US" dirty="0" smtClean="0"/>
+              <a:t>A tag </a:t>
+            </a:r>
+            <a:r>
+              <a:rPr lang="en-US" u="sng" dirty="0" smtClean="0"/>
+              <a:t>{{</a:t>
+            </a:r>
+            <a:r>
+              <a:rPr lang="en-US" u="sng" dirty="0" err="1" smtClean="0"/>
+              <a:t>hola</a:t>
+            </a:r>
+            <a:r>
+              <a:rPr lang="en-US" u="sng" dirty="0" smtClean="0"/>
+              <a:t>}}</a:t>
+            </a:r>
+            <a:r>
+              <a:rPr lang="en-US" dirty="0" smtClean="0"/>
+              <a:t> inside a sentence</a:t>
+            </a:r>
+          </a:p>
+          <a:p>
+            <a:r>
+              <a:rPr lang="en-US" dirty="0" smtClean="0"/>
+              <a:t>A tag {{bo</a:t>
+            </a:r>
+            <a:r>
+              <a:rPr lang="en-US" sz="7200" i="1" dirty="0" smtClean="0"/>
+              <a:t>nj</a:t>
+            </a:r>
+            <a:r>
+              <a:rPr lang="en-US" dirty="0" smtClean="0"/>
+              <a:t>our}} </a:t>
+            </a:r>
+            <a:r>
+              <a:rPr lang="en-US" b="1" dirty="0" smtClean="0"/>
+              <a:t>inside</a:t>
+            </a:r>
+            <a:r>
+              <a:rPr lang="en-US" dirty="0" smtClean="0"/>
+              <a:t> a sentence</a:t>
+            </a:r>
+          </a:p>
+        </p:txBody>
+      </p:sp>
+      <p:sp>
+        <p:nvSpPr>
+          <p:cNvPr id="4" name="ZoneTexte 3"/>
+          <p:cNvSpPr txBox="1"/>
+          <p:nvPr/>
+        </p:nvSpPr>
+        <p:spPr>
+          <a:xfrm>
+            <a:off x="3419872" y="4365104"/>
+            <a:ext cx="1944216" cy="1323439"/>
+          </a:xfrm>
+          <a:prstGeom prst="rect">
+            <a:avLst/>
+          </a:prstGeom>
+          <a:noFill/>
+        </p:spPr>
+        <p:txBody>
+          <a:bodyPr wrap="square" rtlCol="0">
+            <a:spAutoFit/>
+            <a:scene3d>
+              <a:camera prst="perspectiveHeroicExtremeLeftFacing"/>
+              <a:lightRig rig="threePt" dir="t"/>
+            </a:scene3d>
+          </a:bodyPr>
+          <a:lstStyle/>
+          <a:p>
+            <a:r>
+              <a:rPr lang="en-US" sz="4000" b="1" dirty="0" smtClean="0">
+                <a:ln w="18000">
+                  <a:solidFill>
+                    <a:schemeClr val="accent2">
+                      <a:satMod val="140000"/>
+                    </a:schemeClr>
+                  </a:solidFill>
+                  <a:prstDash val="solid"/>
+                  <a:miter lim="800000"/>
+                </a:ln>
+                <a:noFill/>
+                <a:effectLst>
+                  <a:outerShdw blurRad="25500" dist="23000" dir="7020000" algn="tl">
+                    <a:srgbClr val="000000">
+                      <a:alpha val="50000"/>
+                    </a:srgbClr>
+                  </a:outerShdw>
+                </a:effectLst>
+              </a:rPr>
+              <a:t>{{hello}}, world!</a:t>
+            </a:r>
+            <a:endParaRPr lang="fr-FR" sz="4000" b="1" dirty="0">
+              <a:ln w="18000">
+                <a:solidFill>
+                  <a:schemeClr val="accent2">
+                    <a:satMod val="140000"/>
+                  </a:schemeClr>
+                </a:solidFill>
+                <a:prstDash val="solid"/>
+                <a:miter lim="800000"/>
+              </a:ln>
+              <a:noFill/>
+              <a:effectLst>
+                <a:outerShdw blurRad="25500" dist="23000" dir="7020000" algn="tl">
+                  <a:srgbClr val="000000">
+                    <a:alpha val="50000"/>
+                  </a:srgbClr>
+                </a:outerShdw>
+              </a:effectLst>
+            </a:endParaRPr>
+          </a:p>
+        </p:txBody>
+      </p:sp>
+    </p:spTree>
+    <p:extLst>
+      <p:ext uri="{BB962C8B-B14F-4D97-AF65-F5344CB8AC3E}">
+        <p14:creationId xmlns:p14="http://schemas.microsoft.com/office/powerpoint/2010/main" val="2969325930"/>
       </p:ext>
     </p:extLst>
   </p:cSld>

--- a/PptxTemplating.Tests/files/ReplaceTagInSlide.pptx
+++ b/PptxTemplating.Tests/files/ReplaceTagInSlide.pptx
@@ -7,6 +7,7 @@
   <p:sldIdLst>
     <p:sldId id="257" r:id="rId2"/>
     <p:sldId id="258" r:id="rId3"/>
+    <p:sldId id="259" r:id="rId4"/>
   </p:sldIdLst>
   <p:sldSz cx="9144000" cy="6858000" type="screen4x3"/>
   <p:notesSz cx="6858000" cy="9144000"/>
@@ -289,7 +290,7 @@
           <a:p>
             <a:fld id="{FCB384CC-8CC3-4A4C-8F0D-25E02C65169C}" type="datetimeFigureOut">
               <a:rPr lang="fr-FR" smtClean="0"/>
-              <a:t>11/09/2012</a:t>
+              <a:t>12/09/2012</a:t>
             </a:fld>
             <a:endParaRPr lang="fr-FR"/>
           </a:p>
@@ -459,7 +460,7 @@
           <a:p>
             <a:fld id="{FCB384CC-8CC3-4A4C-8F0D-25E02C65169C}" type="datetimeFigureOut">
               <a:rPr lang="fr-FR" smtClean="0"/>
-              <a:t>11/09/2012</a:t>
+              <a:t>12/09/2012</a:t>
             </a:fld>
             <a:endParaRPr lang="fr-FR"/>
           </a:p>
@@ -639,7 +640,7 @@
           <a:p>
             <a:fld id="{FCB384CC-8CC3-4A4C-8F0D-25E02C65169C}" type="datetimeFigureOut">
               <a:rPr lang="fr-FR" smtClean="0"/>
-              <a:t>11/09/2012</a:t>
+              <a:t>12/09/2012</a:t>
             </a:fld>
             <a:endParaRPr lang="fr-FR"/>
           </a:p>
@@ -809,7 +810,7 @@
           <a:p>
             <a:fld id="{FCB384CC-8CC3-4A4C-8F0D-25E02C65169C}" type="datetimeFigureOut">
               <a:rPr lang="fr-FR" smtClean="0"/>
-              <a:t>11/09/2012</a:t>
+              <a:t>12/09/2012</a:t>
             </a:fld>
             <a:endParaRPr lang="fr-FR"/>
           </a:p>
@@ -1055,7 +1056,7 @@
           <a:p>
             <a:fld id="{FCB384CC-8CC3-4A4C-8F0D-25E02C65169C}" type="datetimeFigureOut">
               <a:rPr lang="fr-FR" smtClean="0"/>
-              <a:t>11/09/2012</a:t>
+              <a:t>12/09/2012</a:t>
             </a:fld>
             <a:endParaRPr lang="fr-FR"/>
           </a:p>
@@ -1343,7 +1344,7 @@
           <a:p>
             <a:fld id="{FCB384CC-8CC3-4A4C-8F0D-25E02C65169C}" type="datetimeFigureOut">
               <a:rPr lang="fr-FR" smtClean="0"/>
-              <a:t>11/09/2012</a:t>
+              <a:t>12/09/2012</a:t>
             </a:fld>
             <a:endParaRPr lang="fr-FR"/>
           </a:p>
@@ -1765,7 +1766,7 @@
           <a:p>
             <a:fld id="{FCB384CC-8CC3-4A4C-8F0D-25E02C65169C}" type="datetimeFigureOut">
               <a:rPr lang="fr-FR" smtClean="0"/>
-              <a:t>11/09/2012</a:t>
+              <a:t>12/09/2012</a:t>
             </a:fld>
             <a:endParaRPr lang="fr-FR"/>
           </a:p>
@@ -1883,7 +1884,7 @@
           <a:p>
             <a:fld id="{FCB384CC-8CC3-4A4C-8F0D-25E02C65169C}" type="datetimeFigureOut">
               <a:rPr lang="fr-FR" smtClean="0"/>
-              <a:t>11/09/2012</a:t>
+              <a:t>12/09/2012</a:t>
             </a:fld>
             <a:endParaRPr lang="fr-FR"/>
           </a:p>
@@ -1978,7 +1979,7 @@
           <a:p>
             <a:fld id="{FCB384CC-8CC3-4A4C-8F0D-25E02C65169C}" type="datetimeFigureOut">
               <a:rPr lang="fr-FR" smtClean="0"/>
-              <a:t>11/09/2012</a:t>
+              <a:t>12/09/2012</a:t>
             </a:fld>
             <a:endParaRPr lang="fr-FR"/>
           </a:p>
@@ -2255,7 +2256,7 @@
           <a:p>
             <a:fld id="{FCB384CC-8CC3-4A4C-8F0D-25E02C65169C}" type="datetimeFigureOut">
               <a:rPr lang="fr-FR" smtClean="0"/>
-              <a:t>11/09/2012</a:t>
+              <a:t>12/09/2012</a:t>
             </a:fld>
             <a:endParaRPr lang="fr-FR"/>
           </a:p>
@@ -2508,7 +2509,7 @@
           <a:p>
             <a:fld id="{FCB384CC-8CC3-4A4C-8F0D-25E02C65169C}" type="datetimeFigureOut">
               <a:rPr lang="fr-FR" smtClean="0"/>
-              <a:t>11/09/2012</a:t>
+              <a:t>12/09/2012</a:t>
             </a:fld>
             <a:endParaRPr lang="fr-FR"/>
           </a:p>
@@ -2721,7 +2722,7 @@
           <a:p>
             <a:fld id="{FCB384CC-8CC3-4A4C-8F0D-25E02C65169C}" type="datetimeFigureOut">
               <a:rPr lang="fr-FR" smtClean="0"/>
-              <a:t>11/09/2012</a:t>
+              <a:t>12/09/2012</a:t>
             </a:fld>
             <a:endParaRPr lang="fr-FR"/>
           </a:p>
@@ -3108,12 +3109,22 @@
         </p:nvSpPr>
         <p:spPr/>
         <p:txBody>
-          <a:bodyPr/>
+          <a:bodyPr>
+            <a:normAutofit fontScale="90000"/>
+          </a:bodyPr>
           <a:lstStyle/>
           <a:p>
             <a:r>
               <a:rPr lang="en-US" dirty="0" smtClean="0"/>
-              <a:t>words {{hello}}, world!</a:t>
+              <a:t>words {{hello}}|{{hello}}|{{</a:t>
+            </a:r>
+            <a:r>
+              <a:rPr lang="en-US" dirty="0" err="1" smtClean="0"/>
+              <a:t>hola</a:t>
+            </a:r>
+            <a:r>
+              <a:rPr lang="en-US" dirty="0" smtClean="0"/>
+              <a:t>}}, world!</a:t>
             </a:r>
             <a:endParaRPr lang="fr-FR" dirty="0"/>
           </a:p>
@@ -3138,7 +3149,7 @@
           <a:p>
             <a:r>
               <a:rPr lang="en-US" dirty="0" smtClean="0"/>
-              <a:t>A tag </a:t>
+              <a:t>A tag {{ho</a:t>
             </a:r>
             <a:r>
               <a:rPr lang="en-US" u="sng" dirty="0" smtClean="0"/>
@@ -3150,11 +3161,19 @@
             </a:r>
             <a:r>
               <a:rPr lang="en-US" u="sng" dirty="0" smtClean="0"/>
+              <a:t>}}la</a:t>
+            </a:r>
+            <a:r>
+              <a:rPr lang="en-US" u="sng" dirty="0" smtClean="0"/>
               <a:t>}}</a:t>
             </a:r>
             <a:r>
               <a:rPr lang="en-US" dirty="0" smtClean="0"/>
-              <a:t> inside a sentence</a:t>
+              <a:t> inside </a:t>
+            </a:r>
+            <a:r>
+              <a:rPr lang="en-US" dirty="0" smtClean="0"/>
+              <a:t>a sentence {{bonjour}}</a:t>
             </a:r>
           </a:p>
           <a:p>
@@ -3168,7 +3187,15 @@
             </a:r>
             <a:r>
               <a:rPr lang="en-US" dirty="0" smtClean="0"/>
-              <a:t>our}} </a:t>
+              <a:t>our}}{{</a:t>
+            </a:r>
+            <a:r>
+              <a:rPr lang="en-US" dirty="0" err="1" smtClean="0"/>
+              <a:t>hola</a:t>
+            </a:r>
+            <a:r>
+              <a:rPr lang="en-US" dirty="0" smtClean="0"/>
+              <a:t>}}{{bonjour}} </a:t>
             </a:r>
             <a:r>
               <a:rPr lang="en-US" b="1" dirty="0" smtClean="0"/>
@@ -3293,12 +3320,22 @@
         </p:nvSpPr>
         <p:spPr/>
         <p:txBody>
-          <a:bodyPr/>
+          <a:bodyPr>
+            <a:normAutofit fontScale="90000"/>
+          </a:bodyPr>
           <a:lstStyle/>
           <a:p>
             <a:r>
               <a:rPr lang="en-US" dirty="0" smtClean="0"/>
-              <a:t>words {{hello}}, world!</a:t>
+              <a:t>words {{hello}}|{{hello}}|{{</a:t>
+            </a:r>
+            <a:r>
+              <a:rPr lang="en-US" dirty="0" err="1" smtClean="0"/>
+              <a:t>hola</a:t>
+            </a:r>
+            <a:r>
+              <a:rPr lang="en-US" dirty="0" smtClean="0"/>
+              <a:t>}}, world!</a:t>
             </a:r>
             <a:endParaRPr lang="fr-FR" dirty="0"/>
           </a:p>
@@ -3323,7 +3360,7 @@
           <a:p>
             <a:r>
               <a:rPr lang="en-US" dirty="0" smtClean="0"/>
-              <a:t>A tag </a:t>
+              <a:t>A tag {{ho</a:t>
             </a:r>
             <a:r>
               <a:rPr lang="en-US" u="sng" dirty="0" smtClean="0"/>
@@ -3335,11 +3372,11 @@
             </a:r>
             <a:r>
               <a:rPr lang="en-US" u="sng" dirty="0" smtClean="0"/>
-              <a:t>}}</a:t>
+              <a:t>}}la}}</a:t>
             </a:r>
             <a:r>
               <a:rPr lang="en-US" dirty="0" smtClean="0"/>
-              <a:t> inside a sentence</a:t>
+              <a:t> inside a sentence {{bonjour}}</a:t>
             </a:r>
           </a:p>
           <a:p>
@@ -3353,7 +3390,15 @@
             </a:r>
             <a:r>
               <a:rPr lang="en-US" dirty="0" smtClean="0"/>
-              <a:t>our}} </a:t>
+              <a:t>our}}{{</a:t>
+            </a:r>
+            <a:r>
+              <a:rPr lang="en-US" dirty="0" err="1" smtClean="0"/>
+              <a:t>hola</a:t>
+            </a:r>
+            <a:r>
+              <a:rPr lang="en-US" dirty="0" smtClean="0"/>
+              <a:t>}}{{bonjour}} </a:t>
             </a:r>
             <a:r>
               <a:rPr lang="en-US" b="1" dirty="0" smtClean="0"/>
@@ -3439,7 +3484,210 @@
     </p:spTree>
     <p:extLst>
       <p:ext uri="{BB962C8B-B14F-4D97-AF65-F5344CB8AC3E}">
-        <p14:creationId xmlns:p14="http://schemas.microsoft.com/office/powerpoint/2010/main" val="2969325930"/>
+        <p14:creationId xmlns:p14="http://schemas.microsoft.com/office/powerpoint/2010/main" val="241124723"/>
+      </p:ext>
+    </p:extLst>
+  </p:cSld>
+  <p:clrMapOvr>
+    <a:masterClrMapping/>
+  </p:clrMapOvr>
+</p:sld>
+</file>
+
+<file path=ppt/slides/slide3.xml><?xml version="1.0" encoding="utf-8"?>
+<p:sld xmlns:a="http://schemas.openxmlformats.org/drawingml/2006/main" xmlns:r="http://schemas.openxmlformats.org/officeDocument/2006/relationships" xmlns:p="http://schemas.openxmlformats.org/presentationml/2006/main">
+  <p:cSld>
+    <p:spTree>
+      <p:nvGrpSpPr>
+        <p:cNvPr id="1" name=""/>
+        <p:cNvGrpSpPr/>
+        <p:nvPr/>
+      </p:nvGrpSpPr>
+      <p:grpSpPr>
+        <a:xfrm>
+          <a:off x="0" y="0"/>
+          <a:ext cx="0" cy="0"/>
+          <a:chOff x="0" y="0"/>
+          <a:chExt cx="0" cy="0"/>
+        </a:xfrm>
+      </p:grpSpPr>
+      <p:sp>
+        <p:nvSpPr>
+          <p:cNvPr id="2" name="Titre 1"/>
+          <p:cNvSpPr>
+            <a:spLocks noGrp="1"/>
+          </p:cNvSpPr>
+          <p:nvPr>
+            <p:ph type="title"/>
+          </p:nvPr>
+        </p:nvSpPr>
+        <p:spPr/>
+        <p:txBody>
+          <a:bodyPr>
+            <a:normAutofit fontScale="90000"/>
+          </a:bodyPr>
+          <a:lstStyle/>
+          <a:p>
+            <a:r>
+              <a:rPr lang="en-US" dirty="0" smtClean="0"/>
+              <a:t>words {{hello}}|{{hello}}|{{</a:t>
+            </a:r>
+            <a:r>
+              <a:rPr lang="en-US" dirty="0" err="1" smtClean="0"/>
+              <a:t>hola</a:t>
+            </a:r>
+            <a:r>
+              <a:rPr lang="en-US" dirty="0" smtClean="0"/>
+              <a:t>}}, world!</a:t>
+            </a:r>
+            <a:endParaRPr lang="fr-FR" dirty="0"/>
+          </a:p>
+        </p:txBody>
+      </p:sp>
+      <p:sp>
+        <p:nvSpPr>
+          <p:cNvPr id="3" name="Espace réservé du contenu 2"/>
+          <p:cNvSpPr>
+            <a:spLocks noGrp="1"/>
+          </p:cNvSpPr>
+          <p:nvPr>
+            <p:ph idx="1"/>
+          </p:nvPr>
+        </p:nvSpPr>
+        <p:spPr/>
+        <p:txBody>
+          <a:bodyPr>
+            <a:normAutofit/>
+          </a:bodyPr>
+          <a:lstStyle/>
+          <a:p>
+            <a:r>
+              <a:rPr lang="en-US" dirty="0" smtClean="0"/>
+              <a:t>A tag {{ho</a:t>
+            </a:r>
+            <a:r>
+              <a:rPr lang="en-US" u="sng" dirty="0" smtClean="0"/>
+              <a:t>{{</a:t>
+            </a:r>
+            <a:r>
+              <a:rPr lang="en-US" u="sng" dirty="0" err="1" smtClean="0"/>
+              <a:t>hola</a:t>
+            </a:r>
+            <a:r>
+              <a:rPr lang="en-US" u="sng" dirty="0" smtClean="0"/>
+              <a:t>}}la}}</a:t>
+            </a:r>
+            <a:r>
+              <a:rPr lang="en-US" dirty="0" smtClean="0"/>
+              <a:t> inside a sentence {{bonjour}}</a:t>
+            </a:r>
+          </a:p>
+          <a:p>
+            <a:r>
+              <a:rPr lang="en-US" dirty="0" smtClean="0"/>
+              <a:t>A tag {{bo</a:t>
+            </a:r>
+            <a:r>
+              <a:rPr lang="en-US" sz="7200" i="1" dirty="0" smtClean="0"/>
+              <a:t>nj</a:t>
+            </a:r>
+            <a:r>
+              <a:rPr lang="en-US" dirty="0" smtClean="0"/>
+              <a:t>our}}{{</a:t>
+            </a:r>
+            <a:r>
+              <a:rPr lang="en-US" dirty="0" err="1" smtClean="0"/>
+              <a:t>hola</a:t>
+            </a:r>
+            <a:r>
+              <a:rPr lang="en-US" dirty="0" smtClean="0"/>
+              <a:t>}}{{bonjour}} </a:t>
+            </a:r>
+            <a:r>
+              <a:rPr lang="en-US" b="1" dirty="0" smtClean="0"/>
+              <a:t>inside</a:t>
+            </a:r>
+            <a:r>
+              <a:rPr lang="en-US" dirty="0" smtClean="0"/>
+              <a:t> a sentence</a:t>
+            </a:r>
+          </a:p>
+        </p:txBody>
+      </p:sp>
+      <p:sp>
+        <p:nvSpPr>
+          <p:cNvPr id="4" name="ZoneTexte 3"/>
+          <p:cNvSpPr txBox="1"/>
+          <p:nvPr/>
+        </p:nvSpPr>
+        <p:spPr>
+          <a:xfrm>
+            <a:off x="3419872" y="4365104"/>
+            <a:ext cx="1944216" cy="1323439"/>
+          </a:xfrm>
+          <a:prstGeom prst="rect">
+            <a:avLst/>
+          </a:prstGeom>
+          <a:noFill/>
+        </p:spPr>
+        <p:txBody>
+          <a:bodyPr wrap="square" rtlCol="0">
+            <a:spAutoFit/>
+            <a:scene3d>
+              <a:camera prst="perspectiveHeroicExtremeLeftFacing"/>
+              <a:lightRig rig="threePt" dir="t"/>
+            </a:scene3d>
+          </a:bodyPr>
+          <a:lstStyle/>
+          <a:p>
+            <a:r>
+              <a:rPr lang="en-US" sz="4000" b="1" dirty="0" smtClean="0">
+                <a:ln w="18000">
+                  <a:solidFill>
+                    <a:schemeClr val="accent2">
+                      <a:satMod val="140000"/>
+                    </a:schemeClr>
+                  </a:solidFill>
+                  <a:prstDash val="solid"/>
+                  <a:miter lim="800000"/>
+                </a:ln>
+                <a:noFill/>
+                <a:effectLst>
+                  <a:outerShdw blurRad="25500" dist="23000" dir="7020000" algn="tl">
+                    <a:srgbClr val="000000">
+                      <a:alpha val="50000"/>
+                    </a:srgbClr>
+                  </a:outerShdw>
+                </a:effectLst>
+              </a:rPr>
+              <a:t>{{hello}}, world!</a:t>
+            </a:r>
+            <a:endParaRPr lang="fr-FR" sz="4000" b="1" dirty="0">
+              <a:ln w="18000">
+                <a:solidFill>
+                  <a:schemeClr val="accent2">
+                    <a:satMod val="140000"/>
+                  </a:schemeClr>
+                </a:solidFill>
+                <a:prstDash val="solid"/>
+                <a:miter lim="800000"/>
+              </a:ln>
+              <a:noFill/>
+              <a:effectLst>
+                <a:outerShdw blurRad="25500" dist="23000" dir="7020000" algn="tl">
+                  <a:srgbClr val="000000">
+                    <a:alpha val="50000"/>
+                  </a:srgbClr>
+                </a:outerShdw>
+              </a:effectLst>
+            </a:endParaRPr>
+          </a:p>
+        </p:txBody>
+      </p:sp>
+    </p:spTree>
+    <p:extLst>
+      <p:ext uri="{BB962C8B-B14F-4D97-AF65-F5344CB8AC3E}">
+        <p14:creationId xmlns:p14="http://schemas.microsoft.com/office/powerpoint/2010/main" val="1124930470"/>
       </p:ext>
     </p:extLst>
   </p:cSld>
